--- a/tools/myPromise/Promise.pptx
+++ b/tools/myPromise/Promise.pptx
@@ -222,7 +222,7 @@
           <a:p>
             <a:fld id="{CA53CCBF-D9DD-4792-ABAF-EA53591F879D}" type="datetimeFigureOut">
               <a:rPr lang="zh-CN" altLang="en-US" smtClean="0"/>
-              <a:t>2019/11/26</a:t>
+              <a:t>2019/11/27</a:t>
             </a:fld>
             <a:endParaRPr lang="zh-CN" altLang="en-US"/>
           </a:p>
@@ -888,7 +888,7 @@
           <a:p>
             <a:fld id="{D9BC686F-5917-4E04-9BAA-4079A4B102DB}" type="datetimeFigureOut">
               <a:rPr lang="zh-CN" altLang="en-US" smtClean="0"/>
-              <a:t>2019/11/26</a:t>
+              <a:t>2019/11/27</a:t>
             </a:fld>
             <a:endParaRPr lang="zh-CN" altLang="en-US"/>
           </a:p>
@@ -1086,7 +1086,7 @@
           <a:p>
             <a:fld id="{D9BC686F-5917-4E04-9BAA-4079A4B102DB}" type="datetimeFigureOut">
               <a:rPr lang="zh-CN" altLang="en-US" smtClean="0"/>
-              <a:t>2019/11/26</a:t>
+              <a:t>2019/11/27</a:t>
             </a:fld>
             <a:endParaRPr lang="zh-CN" altLang="en-US"/>
           </a:p>
@@ -1294,7 +1294,7 @@
           <a:p>
             <a:fld id="{D9BC686F-5917-4E04-9BAA-4079A4B102DB}" type="datetimeFigureOut">
               <a:rPr lang="zh-CN" altLang="en-US" smtClean="0"/>
-              <a:t>2019/11/26</a:t>
+              <a:t>2019/11/27</a:t>
             </a:fld>
             <a:endParaRPr lang="zh-CN" altLang="en-US"/>
           </a:p>
@@ -1492,7 +1492,7 @@
           <a:p>
             <a:fld id="{D9BC686F-5917-4E04-9BAA-4079A4B102DB}" type="datetimeFigureOut">
               <a:rPr lang="zh-CN" altLang="en-US" smtClean="0"/>
-              <a:t>2019/11/26</a:t>
+              <a:t>2019/11/27</a:t>
             </a:fld>
             <a:endParaRPr lang="zh-CN" altLang="en-US"/>
           </a:p>
@@ -1767,7 +1767,7 @@
           <a:p>
             <a:fld id="{D9BC686F-5917-4E04-9BAA-4079A4B102DB}" type="datetimeFigureOut">
               <a:rPr lang="zh-CN" altLang="en-US" smtClean="0"/>
-              <a:t>2019/11/26</a:t>
+              <a:t>2019/11/27</a:t>
             </a:fld>
             <a:endParaRPr lang="zh-CN" altLang="en-US"/>
           </a:p>
@@ -2032,7 +2032,7 @@
           <a:p>
             <a:fld id="{D9BC686F-5917-4E04-9BAA-4079A4B102DB}" type="datetimeFigureOut">
               <a:rPr lang="zh-CN" altLang="en-US" smtClean="0"/>
-              <a:t>2019/11/26</a:t>
+              <a:t>2019/11/27</a:t>
             </a:fld>
             <a:endParaRPr lang="zh-CN" altLang="en-US"/>
           </a:p>
@@ -2444,7 +2444,7 @@
           <a:p>
             <a:fld id="{D9BC686F-5917-4E04-9BAA-4079A4B102DB}" type="datetimeFigureOut">
               <a:rPr lang="zh-CN" altLang="en-US" smtClean="0"/>
-              <a:t>2019/11/26</a:t>
+              <a:t>2019/11/27</a:t>
             </a:fld>
             <a:endParaRPr lang="zh-CN" altLang="en-US"/>
           </a:p>
@@ -2585,7 +2585,7 @@
           <a:p>
             <a:fld id="{D9BC686F-5917-4E04-9BAA-4079A4B102DB}" type="datetimeFigureOut">
               <a:rPr lang="zh-CN" altLang="en-US" smtClean="0"/>
-              <a:t>2019/11/26</a:t>
+              <a:t>2019/11/27</a:t>
             </a:fld>
             <a:endParaRPr lang="zh-CN" altLang="en-US"/>
           </a:p>
@@ -2698,7 +2698,7 @@
           <a:p>
             <a:fld id="{D9BC686F-5917-4E04-9BAA-4079A4B102DB}" type="datetimeFigureOut">
               <a:rPr lang="zh-CN" altLang="en-US" smtClean="0"/>
-              <a:t>2019/11/26</a:t>
+              <a:t>2019/11/27</a:t>
             </a:fld>
             <a:endParaRPr lang="zh-CN" altLang="en-US"/>
           </a:p>
@@ -3009,7 +3009,7 @@
           <a:p>
             <a:fld id="{D9BC686F-5917-4E04-9BAA-4079A4B102DB}" type="datetimeFigureOut">
               <a:rPr lang="zh-CN" altLang="en-US" smtClean="0"/>
-              <a:t>2019/11/26</a:t>
+              <a:t>2019/11/27</a:t>
             </a:fld>
             <a:endParaRPr lang="zh-CN" altLang="en-US"/>
           </a:p>
@@ -3297,7 +3297,7 @@
           <a:p>
             <a:fld id="{D9BC686F-5917-4E04-9BAA-4079A4B102DB}" type="datetimeFigureOut">
               <a:rPr lang="zh-CN" altLang="en-US" smtClean="0"/>
-              <a:t>2019/11/26</a:t>
+              <a:t>2019/11/27</a:t>
             </a:fld>
             <a:endParaRPr lang="zh-CN" altLang="en-US"/>
           </a:p>
@@ -3547,7 +3547,7 @@
           <a:p>
             <a:fld id="{D9BC686F-5917-4E04-9BAA-4079A4B102DB}" type="datetimeFigureOut">
               <a:rPr lang="zh-CN" altLang="en-US" smtClean="0"/>
-              <a:t>2019/11/26</a:t>
+              <a:t>2019/11/27</a:t>
             </a:fld>
             <a:endParaRPr lang="zh-CN" altLang="en-US"/>
           </a:p>
@@ -3986,8 +3986,8 @@
         </p:nvSpPr>
         <p:spPr>
           <a:xfrm>
-            <a:off x="1073215" y="1288491"/>
-            <a:ext cx="1770036" cy="2862322"/>
+            <a:off x="807207" y="1330055"/>
+            <a:ext cx="1685077" cy="2585323"/>
           </a:xfrm>
           <a:prstGeom prst="rect">
             <a:avLst/>
@@ -4086,19 +4086,17 @@
             </a:pPr>
             <a:r>
               <a:rPr lang="zh-CN" altLang="en-US" dirty="0"/>
-              <a:t>实现思路</a:t>
+              <a:t>实现</a:t>
+            </a:r>
+            <a:r>
+              <a:rPr lang="zh-CN" altLang="en-US"/>
+              <a:t>思</a:t>
+            </a:r>
+            <a:r>
+              <a:rPr lang="zh-CN" altLang="en-US" smtClean="0"/>
+              <a:t>路</a:t>
             </a:r>
             <a:endParaRPr lang="en-US" altLang="zh-CN" dirty="0"/>
-          </a:p>
-          <a:p>
-            <a:pPr marL="342900" indent="-342900">
-              <a:buAutoNum type="arabicPeriod"/>
-            </a:pPr>
-            <a:r>
-              <a:rPr lang="en-US" altLang="zh-CN" dirty="0" err="1"/>
-              <a:t>asycn&amp;await</a:t>
-            </a:r>
-            <a:endParaRPr lang="zh-CN" altLang="en-US" dirty="0"/>
           </a:p>
         </p:txBody>
       </p:sp>
@@ -7474,7 +7472,7 @@
         </p:nvSpPr>
         <p:spPr>
           <a:xfrm>
-            <a:off x="437745" y="2967335"/>
+            <a:off x="579062" y="2551699"/>
             <a:ext cx="4870244" cy="923330"/>
           </a:xfrm>
           <a:prstGeom prst="rect">
@@ -14579,7 +14577,7 @@
           <p:nvPr/>
         </p:nvPicPr>
         <p:blipFill>
-          <a:blip r:embed="rId2">
+          <a:blip r:embed="rId2" cstate="hqprint">
             <a:extLst>
               <a:ext uri="{28A0092B-C50C-407E-A947-70E740481C1C}">
                 <a14:useLocalDpi xmlns:a14="http://schemas.microsoft.com/office/drawing/2010/main" val="0"/>
@@ -14664,7 +14662,7 @@
           <p:nvPr/>
         </p:nvPicPr>
         <p:blipFill>
-          <a:blip r:embed="rId2">
+          <a:blip r:embed="rId2" cstate="hqprint">
             <a:extLst>
               <a:ext uri="{28A0092B-C50C-407E-A947-70E740481C1C}">
                 <a14:useLocalDpi xmlns:a14="http://schemas.microsoft.com/office/drawing/2010/main" val="0"/>
@@ -14700,7 +14698,7 @@
           <p:nvPr/>
         </p:nvPicPr>
         <p:blipFill>
-          <a:blip r:embed="rId2">
+          <a:blip r:embed="rId2" cstate="hqprint">
             <a:extLst>
               <a:ext uri="{28A0092B-C50C-407E-A947-70E740481C1C}">
                 <a14:useLocalDpi xmlns:a14="http://schemas.microsoft.com/office/drawing/2010/main" val="0"/>

--- a/tools/myPromise/Promise.pptx
+++ b/tools/myPromise/Promise.pptx
@@ -222,7 +222,7 @@
           <a:p>
             <a:fld id="{CA53CCBF-D9DD-4792-ABAF-EA53591F879D}" type="datetimeFigureOut">
               <a:rPr lang="zh-CN" altLang="en-US" smtClean="0"/>
-              <a:t>2019/11/27</a:t>
+              <a:t>2019/11/26</a:t>
             </a:fld>
             <a:endParaRPr lang="zh-CN" altLang="en-US"/>
           </a:p>
@@ -888,7 +888,7 @@
           <a:p>
             <a:fld id="{D9BC686F-5917-4E04-9BAA-4079A4B102DB}" type="datetimeFigureOut">
               <a:rPr lang="zh-CN" altLang="en-US" smtClean="0"/>
-              <a:t>2019/11/27</a:t>
+              <a:t>2019/11/26</a:t>
             </a:fld>
             <a:endParaRPr lang="zh-CN" altLang="en-US"/>
           </a:p>
@@ -1086,7 +1086,7 @@
           <a:p>
             <a:fld id="{D9BC686F-5917-4E04-9BAA-4079A4B102DB}" type="datetimeFigureOut">
               <a:rPr lang="zh-CN" altLang="en-US" smtClean="0"/>
-              <a:t>2019/11/27</a:t>
+              <a:t>2019/11/26</a:t>
             </a:fld>
             <a:endParaRPr lang="zh-CN" altLang="en-US"/>
           </a:p>
@@ -1294,7 +1294,7 @@
           <a:p>
             <a:fld id="{D9BC686F-5917-4E04-9BAA-4079A4B102DB}" type="datetimeFigureOut">
               <a:rPr lang="zh-CN" altLang="en-US" smtClean="0"/>
-              <a:t>2019/11/27</a:t>
+              <a:t>2019/11/26</a:t>
             </a:fld>
             <a:endParaRPr lang="zh-CN" altLang="en-US"/>
           </a:p>
@@ -1492,7 +1492,7 @@
           <a:p>
             <a:fld id="{D9BC686F-5917-4E04-9BAA-4079A4B102DB}" type="datetimeFigureOut">
               <a:rPr lang="zh-CN" altLang="en-US" smtClean="0"/>
-              <a:t>2019/11/27</a:t>
+              <a:t>2019/11/26</a:t>
             </a:fld>
             <a:endParaRPr lang="zh-CN" altLang="en-US"/>
           </a:p>
@@ -1767,7 +1767,7 @@
           <a:p>
             <a:fld id="{D9BC686F-5917-4E04-9BAA-4079A4B102DB}" type="datetimeFigureOut">
               <a:rPr lang="zh-CN" altLang="en-US" smtClean="0"/>
-              <a:t>2019/11/27</a:t>
+              <a:t>2019/11/26</a:t>
             </a:fld>
             <a:endParaRPr lang="zh-CN" altLang="en-US"/>
           </a:p>
@@ -2032,7 +2032,7 @@
           <a:p>
             <a:fld id="{D9BC686F-5917-4E04-9BAA-4079A4B102DB}" type="datetimeFigureOut">
               <a:rPr lang="zh-CN" altLang="en-US" smtClean="0"/>
-              <a:t>2019/11/27</a:t>
+              <a:t>2019/11/26</a:t>
             </a:fld>
             <a:endParaRPr lang="zh-CN" altLang="en-US"/>
           </a:p>
@@ -2444,7 +2444,7 @@
           <a:p>
             <a:fld id="{D9BC686F-5917-4E04-9BAA-4079A4B102DB}" type="datetimeFigureOut">
               <a:rPr lang="zh-CN" altLang="en-US" smtClean="0"/>
-              <a:t>2019/11/27</a:t>
+              <a:t>2019/11/26</a:t>
             </a:fld>
             <a:endParaRPr lang="zh-CN" altLang="en-US"/>
           </a:p>
@@ -2585,7 +2585,7 @@
           <a:p>
             <a:fld id="{D9BC686F-5917-4E04-9BAA-4079A4B102DB}" type="datetimeFigureOut">
               <a:rPr lang="zh-CN" altLang="en-US" smtClean="0"/>
-              <a:t>2019/11/27</a:t>
+              <a:t>2019/11/26</a:t>
             </a:fld>
             <a:endParaRPr lang="zh-CN" altLang="en-US"/>
           </a:p>
@@ -2698,7 +2698,7 @@
           <a:p>
             <a:fld id="{D9BC686F-5917-4E04-9BAA-4079A4B102DB}" type="datetimeFigureOut">
               <a:rPr lang="zh-CN" altLang="en-US" smtClean="0"/>
-              <a:t>2019/11/27</a:t>
+              <a:t>2019/11/26</a:t>
             </a:fld>
             <a:endParaRPr lang="zh-CN" altLang="en-US"/>
           </a:p>
@@ -3009,7 +3009,7 @@
           <a:p>
             <a:fld id="{D9BC686F-5917-4E04-9BAA-4079A4B102DB}" type="datetimeFigureOut">
               <a:rPr lang="zh-CN" altLang="en-US" smtClean="0"/>
-              <a:t>2019/11/27</a:t>
+              <a:t>2019/11/26</a:t>
             </a:fld>
             <a:endParaRPr lang="zh-CN" altLang="en-US"/>
           </a:p>
@@ -3297,7 +3297,7 @@
           <a:p>
             <a:fld id="{D9BC686F-5917-4E04-9BAA-4079A4B102DB}" type="datetimeFigureOut">
               <a:rPr lang="zh-CN" altLang="en-US" smtClean="0"/>
-              <a:t>2019/11/27</a:t>
+              <a:t>2019/11/26</a:t>
             </a:fld>
             <a:endParaRPr lang="zh-CN" altLang="en-US"/>
           </a:p>
@@ -3547,7 +3547,7 @@
           <a:p>
             <a:fld id="{D9BC686F-5917-4E04-9BAA-4079A4B102DB}" type="datetimeFigureOut">
               <a:rPr lang="zh-CN" altLang="en-US" smtClean="0"/>
-              <a:t>2019/11/27</a:t>
+              <a:t>2019/11/26</a:t>
             </a:fld>
             <a:endParaRPr lang="zh-CN" altLang="en-US"/>
           </a:p>
@@ -3986,8 +3986,8 @@
         </p:nvSpPr>
         <p:spPr>
           <a:xfrm>
-            <a:off x="807207" y="1330055"/>
-            <a:ext cx="1685077" cy="2585323"/>
+            <a:off x="1073215" y="1288491"/>
+            <a:ext cx="1770036" cy="2862322"/>
           </a:xfrm>
           <a:prstGeom prst="rect">
             <a:avLst/>
@@ -4086,17 +4086,19 @@
             </a:pPr>
             <a:r>
               <a:rPr lang="zh-CN" altLang="en-US" dirty="0"/>
-              <a:t>实现</a:t>
-            </a:r>
-            <a:r>
-              <a:rPr lang="zh-CN" altLang="en-US"/>
-              <a:t>思</a:t>
-            </a:r>
-            <a:r>
-              <a:rPr lang="zh-CN" altLang="en-US" smtClean="0"/>
-              <a:t>路</a:t>
+              <a:t>实现思路</a:t>
             </a:r>
             <a:endParaRPr lang="en-US" altLang="zh-CN" dirty="0"/>
+          </a:p>
+          <a:p>
+            <a:pPr marL="342900" indent="-342900">
+              <a:buAutoNum type="arabicPeriod"/>
+            </a:pPr>
+            <a:r>
+              <a:rPr lang="en-US" altLang="zh-CN" dirty="0" err="1"/>
+              <a:t>asycn&amp;await</a:t>
+            </a:r>
+            <a:endParaRPr lang="zh-CN" altLang="en-US" dirty="0"/>
           </a:p>
         </p:txBody>
       </p:sp>
@@ -4867,6 +4869,42 @@
           </a:p>
         </p:txBody>
       </p:sp>
+      <p:pic>
+        <p:nvPicPr>
+          <p:cNvPr id="16" name="图片 15">
+            <a:extLst>
+              <a:ext uri="{FF2B5EF4-FFF2-40B4-BE49-F238E27FC236}">
+                <a16:creationId xmlns:a16="http://schemas.microsoft.com/office/drawing/2014/main" id="{50F75418-7BDB-40C4-995F-AF138E605C3A}"/>
+              </a:ext>
+            </a:extLst>
+          </p:cNvPr>
+          <p:cNvPicPr>
+            <a:picLocks noChangeAspect="1"/>
+          </p:cNvPicPr>
+          <p:nvPr/>
+        </p:nvPicPr>
+        <p:blipFill>
+          <a:blip r:embed="rId7">
+            <a:extLst>
+              <a:ext uri="{28A0092B-C50C-407E-A947-70E740481C1C}">
+                <a14:useLocalDpi xmlns:a14="http://schemas.microsoft.com/office/drawing/2010/main" val="0"/>
+              </a:ext>
+            </a:extLst>
+          </a:blip>
+          <a:stretch>
+            <a:fillRect/>
+          </a:stretch>
+        </p:blipFill>
+        <p:spPr>
+          <a:xfrm>
+            <a:off x="7173863" y="1550052"/>
+            <a:ext cx="4351020" cy="1013460"/>
+          </a:xfrm>
+          <a:prstGeom prst="rect">
+            <a:avLst/>
+          </a:prstGeom>
+        </p:spPr>
+      </p:pic>
     </p:spTree>
     <p:extLst>
       <p:ext uri="{BB962C8B-B14F-4D97-AF65-F5344CB8AC3E}">
@@ -7430,8 +7468,8 @@
         </p:nvSpPr>
         <p:spPr>
           <a:xfrm>
-            <a:off x="3320496" y="1488333"/>
-            <a:ext cx="5551007" cy="461665"/>
+            <a:off x="225440" y="1488334"/>
+            <a:ext cx="3865161" cy="1631216"/>
           </a:xfrm>
           <a:prstGeom prst="rect">
             <a:avLst/>
@@ -7445,25 +7483,117 @@
           <a:lstStyle/>
           <a:p>
             <a:r>
-              <a:rPr lang="en-US" altLang="zh-CN" sz="2400" dirty="0">
+              <a:rPr lang="en-US" altLang="zh-CN" sz="2000" dirty="0">
                 <a:latin typeface="微软雅黑" panose="020B0503020204020204" pitchFamily="34" charset="-122"/>
                 <a:ea typeface="微软雅黑" panose="020B0503020204020204" pitchFamily="34" charset="-122"/>
               </a:rPr>
-              <a:t>async / await = Promise + generator</a:t>
-            </a:r>
-            <a:endParaRPr lang="zh-CN" altLang="en-US" sz="2400" dirty="0">
+              <a:t>async</a:t>
+            </a:r>
+            <a:r>
+              <a:rPr lang="zh-CN" altLang="en-US" sz="2000" dirty="0">
+                <a:latin typeface="微软雅黑" panose="020B0503020204020204" pitchFamily="34" charset="-122"/>
+                <a:ea typeface="微软雅黑" panose="020B0503020204020204" pitchFamily="34" charset="-122"/>
+              </a:rPr>
+              <a:t>函数特征：</a:t>
+            </a:r>
+            <a:endParaRPr lang="en-US" altLang="zh-CN" sz="2000" dirty="0">
               <a:latin typeface="微软雅黑" panose="020B0503020204020204" pitchFamily="34" charset="-122"/>
               <a:ea typeface="微软雅黑" panose="020B0503020204020204" pitchFamily="34" charset="-122"/>
             </a:endParaRPr>
           </a:p>
-        </p:txBody>
-      </p:sp>
-      <p:sp>
-        <p:nvSpPr>
-          <p:cNvPr id="4" name="文本框 3">
-            <a:extLst>
-              <a:ext uri="{FF2B5EF4-FFF2-40B4-BE49-F238E27FC236}">
-                <a16:creationId xmlns:a16="http://schemas.microsoft.com/office/drawing/2014/main" id="{BB453102-FF59-4945-8CBD-D8C731AFB469}"/>
+          <a:p>
+            <a:endParaRPr lang="en-US" altLang="zh-CN" sz="2000" dirty="0">
+              <a:latin typeface="微软雅黑" panose="020B0503020204020204" pitchFamily="34" charset="-122"/>
+              <a:ea typeface="微软雅黑" panose="020B0503020204020204" pitchFamily="34" charset="-122"/>
+            </a:endParaRPr>
+          </a:p>
+          <a:p>
+            <a:pPr marL="342900" indent="-342900">
+              <a:buFont typeface="Wingdings" panose="05000000000000000000" pitchFamily="2" charset="2"/>
+              <a:buChar char="ü"/>
+            </a:pPr>
+            <a:r>
+              <a:rPr lang="zh-CN" altLang="en-US" sz="2000" dirty="0">
+                <a:latin typeface="微软雅黑" panose="020B0503020204020204" pitchFamily="34" charset="-122"/>
+                <a:ea typeface="微软雅黑" panose="020B0503020204020204" pitchFamily="34" charset="-122"/>
+              </a:rPr>
+              <a:t>返回一个</a:t>
+            </a:r>
+            <a:r>
+              <a:rPr lang="en-US" altLang="zh-CN" sz="2000" dirty="0">
+                <a:latin typeface="微软雅黑" panose="020B0503020204020204" pitchFamily="34" charset="-122"/>
+                <a:ea typeface="微软雅黑" panose="020B0503020204020204" pitchFamily="34" charset="-122"/>
+              </a:rPr>
+              <a:t>Promise</a:t>
+            </a:r>
+            <a:r>
+              <a:rPr lang="zh-CN" altLang="en-US" sz="2000" dirty="0">
+                <a:latin typeface="微软雅黑" panose="020B0503020204020204" pitchFamily="34" charset="-122"/>
+                <a:ea typeface="微软雅黑" panose="020B0503020204020204" pitchFamily="34" charset="-122"/>
+              </a:rPr>
+              <a:t>对象</a:t>
+            </a:r>
+            <a:endParaRPr lang="en-US" altLang="zh-CN" sz="2000" dirty="0">
+              <a:latin typeface="微软雅黑" panose="020B0503020204020204" pitchFamily="34" charset="-122"/>
+              <a:ea typeface="微软雅黑" panose="020B0503020204020204" pitchFamily="34" charset="-122"/>
+            </a:endParaRPr>
+          </a:p>
+          <a:p>
+            <a:pPr marL="342900" indent="-342900">
+              <a:buFont typeface="Wingdings" panose="05000000000000000000" pitchFamily="2" charset="2"/>
+              <a:buChar char="ü"/>
+            </a:pPr>
+            <a:r>
+              <a:rPr lang="zh-CN" altLang="en-US" sz="2000" dirty="0">
+                <a:latin typeface="微软雅黑" panose="020B0503020204020204" pitchFamily="34" charset="-122"/>
+                <a:ea typeface="微软雅黑" panose="020B0503020204020204" pitchFamily="34" charset="-122"/>
+              </a:rPr>
+              <a:t>将</a:t>
+            </a:r>
+            <a:r>
+              <a:rPr lang="en-US" altLang="zh-CN" sz="2000" dirty="0">
+                <a:latin typeface="微软雅黑" panose="020B0503020204020204" pitchFamily="34" charset="-122"/>
+                <a:ea typeface="微软雅黑" panose="020B0503020204020204" pitchFamily="34" charset="-122"/>
+              </a:rPr>
+              <a:t>Promise</a:t>
+            </a:r>
+            <a:r>
+              <a:rPr lang="zh-CN" altLang="en-US" sz="2000" dirty="0">
+                <a:latin typeface="微软雅黑" panose="020B0503020204020204" pitchFamily="34" charset="-122"/>
+                <a:ea typeface="微软雅黑" panose="020B0503020204020204" pitchFamily="34" charset="-122"/>
+              </a:rPr>
+              <a:t>语法隐藏</a:t>
+            </a:r>
+            <a:endParaRPr lang="en-US" altLang="zh-CN" sz="2000" dirty="0">
+              <a:latin typeface="微软雅黑" panose="020B0503020204020204" pitchFamily="34" charset="-122"/>
+              <a:ea typeface="微软雅黑" panose="020B0503020204020204" pitchFamily="34" charset="-122"/>
+            </a:endParaRPr>
+          </a:p>
+          <a:p>
+            <a:pPr marL="342900" indent="-342900">
+              <a:buFont typeface="Wingdings" panose="05000000000000000000" pitchFamily="2" charset="2"/>
+              <a:buChar char="ü"/>
+            </a:pPr>
+            <a:r>
+              <a:rPr lang="zh-CN" altLang="en-US" sz="2000" dirty="0">
+                <a:latin typeface="微软雅黑" panose="020B0503020204020204" pitchFamily="34" charset="-122"/>
+                <a:ea typeface="微软雅黑" panose="020B0503020204020204" pitchFamily="34" charset="-122"/>
+              </a:rPr>
+              <a:t>真正用同步的代码做异步的事</a:t>
+            </a:r>
+            <a:endParaRPr lang="en-US" altLang="zh-CN" sz="2000" dirty="0">
+              <a:latin typeface="微软雅黑" panose="020B0503020204020204" pitchFamily="34" charset="-122"/>
+              <a:ea typeface="微软雅黑" panose="020B0503020204020204" pitchFamily="34" charset="-122"/>
+            </a:endParaRPr>
+          </a:p>
+        </p:txBody>
+      </p:sp>
+      <p:sp>
+        <p:nvSpPr>
+          <p:cNvPr id="6" name="文本框 5">
+            <a:extLst>
+              <a:ext uri="{FF2B5EF4-FFF2-40B4-BE49-F238E27FC236}">
+                <a16:creationId xmlns:a16="http://schemas.microsoft.com/office/drawing/2014/main" id="{657CCBA7-E119-4951-863D-5A2F85A514AE}"/>
               </a:ext>
             </a:extLst>
           </p:cNvPr>
@@ -7472,8 +7602,8 @@
         </p:nvSpPr>
         <p:spPr>
           <a:xfrm>
-            <a:off x="579062" y="2551699"/>
-            <a:ext cx="4870244" cy="923330"/>
+            <a:off x="225440" y="4626379"/>
+            <a:ext cx="2722861" cy="1015663"/>
           </a:xfrm>
           <a:prstGeom prst="rect">
             <a:avLst/>
@@ -7487,45 +7617,185 @@
           <a:lstStyle/>
           <a:p>
             <a:r>
-              <a:rPr lang="en-US" altLang="zh-CN" dirty="0">
-                <a:latin typeface="Consolas" panose="020B0609020204030204" pitchFamily="49" charset="0"/>
+              <a:rPr lang="en-US" altLang="zh-CN" sz="2000" dirty="0">
+                <a:latin typeface="微软雅黑" panose="020B0503020204020204" pitchFamily="34" charset="-122"/>
+                <a:ea typeface="微软雅黑" panose="020B0503020204020204" pitchFamily="34" charset="-122"/>
               </a:rPr>
-              <a:t>async function() { } =&gt; </a:t>
-            </a:r>
-            <a:r>
-              <a:rPr lang="en-US" altLang="zh-CN" dirty="0" err="1">
-                <a:latin typeface="Consolas" panose="020B0609020204030204" pitchFamily="49" charset="0"/>
+              <a:t>async</a:t>
+            </a:r>
+            <a:r>
+              <a:rPr lang="zh-CN" altLang="en-US" sz="2000" dirty="0">
+                <a:latin typeface="微软雅黑" panose="020B0503020204020204" pitchFamily="34" charset="-122"/>
+                <a:ea typeface="微软雅黑" panose="020B0503020204020204" pitchFamily="34" charset="-122"/>
               </a:rPr>
-              <a:t>AsyncFunction</a:t>
-            </a:r>
-            <a:endParaRPr lang="en-US" altLang="zh-CN" dirty="0">
-              <a:latin typeface="Consolas" panose="020B0609020204030204" pitchFamily="49" charset="0"/>
+              <a:t>的本质：</a:t>
+            </a:r>
+            <a:endParaRPr lang="en-US" altLang="zh-CN" sz="2000" dirty="0">
+              <a:latin typeface="微软雅黑" panose="020B0503020204020204" pitchFamily="34" charset="-122"/>
+              <a:ea typeface="微软雅黑" panose="020B0503020204020204" pitchFamily="34" charset="-122"/>
             </a:endParaRPr>
           </a:p>
           <a:p>
-            <a:endParaRPr lang="en-US" altLang="zh-CN" dirty="0">
-              <a:latin typeface="Consolas" panose="020B0609020204030204" pitchFamily="49" charset="0"/>
+            <a:endParaRPr lang="en-US" altLang="zh-CN" sz="2000" dirty="0">
+              <a:latin typeface="微软雅黑" panose="020B0503020204020204" pitchFamily="34" charset="-122"/>
+              <a:ea typeface="微软雅黑" panose="020B0503020204020204" pitchFamily="34" charset="-122"/>
             </a:endParaRPr>
           </a:p>
           <a:p>
             <a:r>
-              <a:rPr lang="en-US" altLang="zh-CN" dirty="0">
-                <a:latin typeface="Consolas" panose="020B0609020204030204" pitchFamily="49" charset="0"/>
+              <a:rPr lang="en-US" altLang="zh-CN" sz="2000" dirty="0">
+                <a:latin typeface="微软雅黑" panose="020B0503020204020204" pitchFamily="34" charset="-122"/>
+                <a:ea typeface="微软雅黑" panose="020B0503020204020204" pitchFamily="34" charset="-122"/>
               </a:rPr>
-              <a:t>await something =&gt; Promise/</a:t>
-            </a:r>
-            <a:r>
-              <a:rPr lang="zh-CN" altLang="en-US">
-                <a:latin typeface="Consolas" panose="020B0609020204030204" pitchFamily="49" charset="0"/>
-              </a:rPr>
-              <a:t>等待的值</a:t>
-            </a:r>
-            <a:endParaRPr lang="zh-CN" altLang="en-US" dirty="0">
-              <a:latin typeface="Consolas" panose="020B0609020204030204" pitchFamily="49" charset="0"/>
-            </a:endParaRPr>
-          </a:p>
-        </p:txBody>
-      </p:sp>
+              <a:t>generator + Promise</a:t>
+            </a:r>
+          </a:p>
+        </p:txBody>
+      </p:sp>
+      <p:pic>
+        <p:nvPicPr>
+          <p:cNvPr id="8" name="图片 7">
+            <a:extLst>
+              <a:ext uri="{FF2B5EF4-FFF2-40B4-BE49-F238E27FC236}">
+                <a16:creationId xmlns:a16="http://schemas.microsoft.com/office/drawing/2014/main" id="{2D340456-8DAC-48ED-82A3-44E9DB4C61CA}"/>
+              </a:ext>
+            </a:extLst>
+          </p:cNvPr>
+          <p:cNvPicPr>
+            <a:picLocks noChangeAspect="1"/>
+          </p:cNvPicPr>
+          <p:nvPr/>
+        </p:nvPicPr>
+        <p:blipFill>
+          <a:blip r:embed="rId2">
+            <a:extLst>
+              <a:ext uri="{28A0092B-C50C-407E-A947-70E740481C1C}">
+                <a14:useLocalDpi xmlns:a14="http://schemas.microsoft.com/office/drawing/2010/main" val="0"/>
+              </a:ext>
+            </a:extLst>
+          </a:blip>
+          <a:stretch>
+            <a:fillRect/>
+          </a:stretch>
+        </p:blipFill>
+        <p:spPr>
+          <a:xfrm>
+            <a:off x="3997458" y="1548238"/>
+            <a:ext cx="3570456" cy="1362411"/>
+          </a:xfrm>
+          <a:prstGeom prst="rect">
+            <a:avLst/>
+          </a:prstGeom>
+        </p:spPr>
+      </p:pic>
+      <p:pic>
+        <p:nvPicPr>
+          <p:cNvPr id="10" name="图片 9">
+            <a:extLst>
+              <a:ext uri="{FF2B5EF4-FFF2-40B4-BE49-F238E27FC236}">
+                <a16:creationId xmlns:a16="http://schemas.microsoft.com/office/drawing/2014/main" id="{CBB68682-3466-435C-A07B-60B5A032DC24}"/>
+              </a:ext>
+            </a:extLst>
+          </p:cNvPr>
+          <p:cNvPicPr>
+            <a:picLocks noChangeAspect="1"/>
+          </p:cNvPicPr>
+          <p:nvPr/>
+        </p:nvPicPr>
+        <p:blipFill>
+          <a:blip r:embed="rId3">
+            <a:extLst>
+              <a:ext uri="{28A0092B-C50C-407E-A947-70E740481C1C}">
+                <a14:useLocalDpi xmlns:a14="http://schemas.microsoft.com/office/drawing/2010/main" val="0"/>
+              </a:ext>
+            </a:extLst>
+          </a:blip>
+          <a:stretch>
+            <a:fillRect/>
+          </a:stretch>
+        </p:blipFill>
+        <p:spPr>
+          <a:xfrm>
+            <a:off x="3997458" y="3526277"/>
+            <a:ext cx="3570456" cy="912862"/>
+          </a:xfrm>
+          <a:prstGeom prst="rect">
+            <a:avLst/>
+          </a:prstGeom>
+        </p:spPr>
+      </p:pic>
+      <p:pic>
+        <p:nvPicPr>
+          <p:cNvPr id="16" name="图片 15">
+            <a:extLst>
+              <a:ext uri="{FF2B5EF4-FFF2-40B4-BE49-F238E27FC236}">
+                <a16:creationId xmlns:a16="http://schemas.microsoft.com/office/drawing/2014/main" id="{354A78FA-C34B-423E-B7E7-D9A5E4673B7F}"/>
+              </a:ext>
+            </a:extLst>
+          </p:cNvPr>
+          <p:cNvPicPr>
+            <a:picLocks noChangeAspect="1"/>
+          </p:cNvPicPr>
+          <p:nvPr/>
+        </p:nvPicPr>
+        <p:blipFill>
+          <a:blip r:embed="rId4">
+            <a:extLst>
+              <a:ext uri="{28A0092B-C50C-407E-A947-70E740481C1C}">
+                <a14:useLocalDpi xmlns:a14="http://schemas.microsoft.com/office/drawing/2010/main" val="0"/>
+              </a:ext>
+            </a:extLst>
+          </a:blip>
+          <a:stretch>
+            <a:fillRect/>
+          </a:stretch>
+        </p:blipFill>
+        <p:spPr>
+          <a:xfrm>
+            <a:off x="7742787" y="1488334"/>
+            <a:ext cx="3977339" cy="2227634"/>
+          </a:xfrm>
+          <a:prstGeom prst="rect">
+            <a:avLst/>
+          </a:prstGeom>
+        </p:spPr>
+      </p:pic>
+      <p:pic>
+        <p:nvPicPr>
+          <p:cNvPr id="18" name="图片 17">
+            <a:extLst>
+              <a:ext uri="{FF2B5EF4-FFF2-40B4-BE49-F238E27FC236}">
+                <a16:creationId xmlns:a16="http://schemas.microsoft.com/office/drawing/2014/main" id="{EE3F90CE-DD82-47E6-BAEB-8E0CA2CBA3FA}"/>
+              </a:ext>
+            </a:extLst>
+          </p:cNvPr>
+          <p:cNvPicPr>
+            <a:picLocks noChangeAspect="1"/>
+          </p:cNvPicPr>
+          <p:nvPr/>
+        </p:nvPicPr>
+        <p:blipFill>
+          <a:blip r:embed="rId5">
+            <a:extLst>
+              <a:ext uri="{28A0092B-C50C-407E-A947-70E740481C1C}">
+                <a14:useLocalDpi xmlns:a14="http://schemas.microsoft.com/office/drawing/2010/main" val="0"/>
+              </a:ext>
+            </a:extLst>
+          </a:blip>
+          <a:stretch>
+            <a:fillRect/>
+          </a:stretch>
+        </p:blipFill>
+        <p:spPr>
+          <a:xfrm>
+            <a:off x="7742787" y="4057082"/>
+            <a:ext cx="2910840" cy="1584960"/>
+          </a:xfrm>
+          <a:prstGeom prst="rect">
+            <a:avLst/>
+          </a:prstGeom>
+        </p:spPr>
+      </p:pic>
     </p:spTree>
     <p:extLst>
       <p:ext uri="{BB962C8B-B14F-4D97-AF65-F5344CB8AC3E}">
@@ -14577,7 +14847,7 @@
           <p:nvPr/>
         </p:nvPicPr>
         <p:blipFill>
-          <a:blip r:embed="rId2" cstate="hqprint">
+          <a:blip r:embed="rId2">
             <a:extLst>
               <a:ext uri="{28A0092B-C50C-407E-A947-70E740481C1C}">
                 <a14:useLocalDpi xmlns:a14="http://schemas.microsoft.com/office/drawing/2010/main" val="0"/>
@@ -14662,7 +14932,7 @@
           <p:nvPr/>
         </p:nvPicPr>
         <p:blipFill>
-          <a:blip r:embed="rId2" cstate="hqprint">
+          <a:blip r:embed="rId2">
             <a:extLst>
               <a:ext uri="{28A0092B-C50C-407E-A947-70E740481C1C}">
                 <a14:useLocalDpi xmlns:a14="http://schemas.microsoft.com/office/drawing/2010/main" val="0"/>
@@ -14698,7 +14968,7 @@
           <p:nvPr/>
         </p:nvPicPr>
         <p:blipFill>
-          <a:blip r:embed="rId2" cstate="hqprint">
+          <a:blip r:embed="rId2">
             <a:extLst>
               <a:ext uri="{28A0092B-C50C-407E-A947-70E740481C1C}">
                 <a14:useLocalDpi xmlns:a14="http://schemas.microsoft.com/office/drawing/2010/main" val="0"/>
